--- a/Python_project_presentation.pptx
+++ b/Python_project_presentation.pptx
@@ -23,6 +23,7 @@
     <p:sldId id="269" r:id="rId17"/>
     <p:sldId id="270" r:id="rId18"/>
     <p:sldId id="271" r:id="rId19"/>
+    <p:sldId id="276" r:id="rId20"/>
   </p:sldIdLst>
   <p:sldSz cx="12192000" cy="6858000"/>
   <p:notesSz cx="6858000" cy="9144000"/>
@@ -7322,34 +7323,264 @@
               <a:t> </a:t>
             </a:r>
             <a:r>
-              <a:rPr lang="fr-FR"/>
-              <a:t>and data </a:t>
-            </a:r>
-          </a:p>
-        </p:txBody>
-      </p:sp>
-      <p:sp>
-        <p:nvSpPr>
-          <p:cNvPr id="3" name="Espace réservé du contenu 2">
+              <a:rPr lang="fr-FR" dirty="0" err="1"/>
+              <a:t>after</a:t>
+            </a:r>
+            <a:r>
+              <a:rPr lang="fr-FR" dirty="0"/>
+              <a:t> data </a:t>
+            </a:r>
+            <a:r>
+              <a:rPr lang="fr-FR" dirty="0" err="1"/>
+              <a:t>preprocessing</a:t>
+            </a:r>
+            <a:r>
+              <a:rPr lang="fr-FR" dirty="0"/>
+              <a:t> </a:t>
+            </a:r>
+          </a:p>
+        </p:txBody>
+      </p:sp>
+      <p:pic>
+        <p:nvPicPr>
+          <p:cNvPr id="5" name="Espace réservé du contenu 4">
             <a:extLst>
               <a:ext uri="{FF2B5EF4-FFF2-40B4-BE49-F238E27FC236}">
-                <a16:creationId xmlns:a16="http://schemas.microsoft.com/office/drawing/2014/main" id="{255C2114-7E58-BBC9-4FA5-9596F3EF958A}"/>
+                <a16:creationId xmlns:a16="http://schemas.microsoft.com/office/drawing/2014/main" id="{5EA1238A-EC94-C10C-1329-EFD7B8155341}"/>
               </a:ext>
             </a:extLst>
           </p:cNvPr>
-          <p:cNvSpPr>
-            <a:spLocks noGrp="1"/>
-          </p:cNvSpPr>
+          <p:cNvPicPr>
+            <a:picLocks noGrp="1" noChangeAspect="1"/>
+          </p:cNvPicPr>
           <p:nvPr>
             <p:ph idx="1"/>
           </p:nvPr>
-        </p:nvSpPr>
-        <p:spPr/>
-        <p:txBody>
-          <a:bodyPr/>
+        </p:nvPicPr>
+        <p:blipFill>
+          <a:blip r:embed="rId2">
+            <a:extLst>
+              <a:ext uri="{28A0092B-C50C-407E-A947-70E740481C1C}">
+                <a14:useLocalDpi xmlns:a14="http://schemas.microsoft.com/office/drawing/2010/main" val="0"/>
+              </a:ext>
+            </a:extLst>
+          </a:blip>
+          <a:stretch>
+            <a:fillRect/>
+          </a:stretch>
+        </p:blipFill>
+        <p:spPr>
+          <a:xfrm>
+            <a:off x="630522" y="2164821"/>
+            <a:ext cx="3734093" cy="2768600"/>
+          </a:xfrm>
+        </p:spPr>
+      </p:pic>
+      <p:pic>
+        <p:nvPicPr>
+          <p:cNvPr id="7" name="Image 6">
+            <a:extLst>
+              <a:ext uri="{FF2B5EF4-FFF2-40B4-BE49-F238E27FC236}">
+                <a16:creationId xmlns:a16="http://schemas.microsoft.com/office/drawing/2014/main" id="{2B9E5F14-C6C4-2ED9-95FF-6AF38267B7AA}"/>
+              </a:ext>
+            </a:extLst>
+          </p:cNvPr>
+          <p:cNvPicPr>
+            <a:picLocks noChangeAspect="1"/>
+          </p:cNvPicPr>
+          <p:nvPr/>
+        </p:nvPicPr>
+        <p:blipFill>
+          <a:blip r:embed="rId3">
+            <a:extLst>
+              <a:ext uri="{28A0092B-C50C-407E-A947-70E740481C1C}">
+                <a14:useLocalDpi xmlns:a14="http://schemas.microsoft.com/office/drawing/2010/main" val="0"/>
+              </a:ext>
+            </a:extLst>
+          </a:blip>
+          <a:stretch>
+            <a:fillRect/>
+          </a:stretch>
+        </p:blipFill>
+        <p:spPr>
+          <a:xfrm>
+            <a:off x="4364615" y="2164821"/>
+            <a:ext cx="3553545" cy="2768600"/>
+          </a:xfrm>
+          <a:prstGeom prst="rect">
+            <a:avLst/>
+          </a:prstGeom>
+        </p:spPr>
+      </p:pic>
+      <p:pic>
+        <p:nvPicPr>
+          <p:cNvPr id="9" name="Image 8">
+            <a:extLst>
+              <a:ext uri="{FF2B5EF4-FFF2-40B4-BE49-F238E27FC236}">
+                <a16:creationId xmlns:a16="http://schemas.microsoft.com/office/drawing/2014/main" id="{024C2197-A2BD-8971-38E9-067F80408F6D}"/>
+              </a:ext>
+            </a:extLst>
+          </p:cNvPr>
+          <p:cNvPicPr>
+            <a:picLocks noChangeAspect="1"/>
+          </p:cNvPicPr>
+          <p:nvPr/>
+        </p:nvPicPr>
+        <p:blipFill>
+          <a:blip r:embed="rId4">
+            <a:extLst>
+              <a:ext uri="{28A0092B-C50C-407E-A947-70E740481C1C}">
+                <a14:useLocalDpi xmlns:a14="http://schemas.microsoft.com/office/drawing/2010/main" val="0"/>
+              </a:ext>
+            </a:extLst>
+          </a:blip>
+          <a:stretch>
+            <a:fillRect/>
+          </a:stretch>
+        </p:blipFill>
+        <p:spPr>
+          <a:xfrm>
+            <a:off x="7918159" y="2164821"/>
+            <a:ext cx="3553545" cy="2768600"/>
+          </a:xfrm>
+          <a:prstGeom prst="rect">
+            <a:avLst/>
+          </a:prstGeom>
+        </p:spPr>
+      </p:pic>
+      <p:sp>
+        <p:nvSpPr>
+          <p:cNvPr id="10" name="ZoneTexte 9">
+            <a:extLst>
+              <a:ext uri="{FF2B5EF4-FFF2-40B4-BE49-F238E27FC236}">
+                <a16:creationId xmlns:a16="http://schemas.microsoft.com/office/drawing/2014/main" id="{0CFA0EDE-DC1F-039D-9752-C24F7CA407EF}"/>
+              </a:ext>
+            </a:extLst>
+          </p:cNvPr>
+          <p:cNvSpPr txBox="1"/>
+          <p:nvPr/>
+        </p:nvSpPr>
+        <p:spPr>
+          <a:xfrm>
+            <a:off x="733425" y="5357813"/>
+            <a:ext cx="3048000" cy="1477328"/>
+          </a:xfrm>
+          <a:prstGeom prst="rect">
+            <a:avLst/>
+          </a:prstGeom>
+          <a:noFill/>
+        </p:spPr>
+        <p:txBody>
+          <a:bodyPr wrap="square" rtlCol="0">
+            <a:spAutoFit/>
+          </a:bodyPr>
           <a:lstStyle/>
           <a:p>
-            <a:endParaRPr lang="fr-FR"/>
+            <a:r>
+              <a:rPr lang="fr-FR" dirty="0"/>
+              <a:t>Training time :</a:t>
+            </a:r>
+          </a:p>
+          <a:p>
+            <a:r>
+              <a:rPr lang="fr-FR" dirty="0"/>
+              <a:t>-</a:t>
+            </a:r>
+            <a:r>
+              <a:rPr lang="fr-FR" dirty="0" err="1"/>
+              <a:t>linear</a:t>
+            </a:r>
+            <a:r>
+              <a:rPr lang="fr-FR" dirty="0"/>
+              <a:t> </a:t>
+            </a:r>
+            <a:r>
+              <a:rPr lang="fr-FR" dirty="0" err="1"/>
+              <a:t>regression</a:t>
+            </a:r>
+            <a:r>
+              <a:rPr lang="fr-FR" dirty="0"/>
+              <a:t> : </a:t>
+            </a:r>
+            <a:r>
+              <a:rPr lang="fr-FR" dirty="0" err="1"/>
+              <a:t>less</a:t>
+            </a:r>
+            <a:r>
+              <a:rPr lang="fr-FR" dirty="0"/>
+              <a:t> </a:t>
+            </a:r>
+            <a:r>
+              <a:rPr lang="fr-FR" dirty="0" err="1"/>
+              <a:t>than</a:t>
+            </a:r>
+            <a:r>
+              <a:rPr lang="fr-FR" dirty="0"/>
+              <a:t> 2s </a:t>
+            </a:r>
+          </a:p>
+          <a:p>
+            <a:r>
+              <a:rPr lang="fr-FR" dirty="0"/>
+              <a:t>-</a:t>
+            </a:r>
+            <a:r>
+              <a:rPr lang="fr-FR" dirty="0" err="1"/>
+              <a:t>random</a:t>
+            </a:r>
+            <a:r>
+              <a:rPr lang="fr-FR" dirty="0"/>
+              <a:t> </a:t>
+            </a:r>
+            <a:r>
+              <a:rPr lang="fr-FR" dirty="0" err="1"/>
+              <a:t>forest</a:t>
+            </a:r>
+            <a:r>
+              <a:rPr lang="fr-FR" dirty="0"/>
+              <a:t> : </a:t>
+            </a:r>
+            <a:r>
+              <a:rPr lang="fr-FR" dirty="0" err="1"/>
+              <a:t>less</a:t>
+            </a:r>
+            <a:r>
+              <a:rPr lang="fr-FR" dirty="0"/>
+              <a:t> </a:t>
+            </a:r>
+            <a:r>
+              <a:rPr lang="fr-FR" dirty="0" err="1"/>
+              <a:t>than</a:t>
+            </a:r>
+            <a:r>
+              <a:rPr lang="fr-FR" dirty="0"/>
+              <a:t> 10s</a:t>
+            </a:r>
+          </a:p>
+          <a:p>
+            <a:r>
+              <a:rPr lang="fr-FR" dirty="0"/>
+              <a:t>-SVR : </a:t>
+            </a:r>
+            <a:r>
+              <a:rPr lang="fr-FR" dirty="0" err="1"/>
+              <a:t>less</a:t>
+            </a:r>
+            <a:r>
+              <a:rPr lang="fr-FR" dirty="0"/>
+              <a:t> </a:t>
+            </a:r>
+            <a:r>
+              <a:rPr lang="fr-FR" dirty="0" err="1"/>
+              <a:t>than</a:t>
+            </a:r>
+            <a:r>
+              <a:rPr lang="fr-FR" dirty="0"/>
+              <a:t> 2 mins </a:t>
+            </a:r>
+          </a:p>
+          <a:p>
+            <a:endParaRPr lang="fr-FR" dirty="0"/>
           </a:p>
         </p:txBody>
       </p:sp>
@@ -7404,35 +7635,60 @@
           <a:bodyPr/>
           <a:lstStyle/>
           <a:p>
-            <a:endParaRPr lang="fr-FR"/>
-          </a:p>
-        </p:txBody>
-      </p:sp>
-      <p:sp>
-        <p:nvSpPr>
-          <p:cNvPr id="3" name="Espace réservé du contenu 2">
+            <a:r>
+              <a:rPr lang="fr-FR" dirty="0" err="1"/>
+              <a:t>Feature</a:t>
+            </a:r>
+            <a:r>
+              <a:rPr lang="fr-FR" dirty="0"/>
+              <a:t> </a:t>
+            </a:r>
+            <a:r>
+              <a:rPr lang="fr-FR" dirty="0" err="1"/>
+              <a:t>selection</a:t>
+            </a:r>
+            <a:r>
+              <a:rPr lang="fr-FR" dirty="0"/>
+              <a:t> </a:t>
+            </a:r>
+          </a:p>
+        </p:txBody>
+      </p:sp>
+      <p:pic>
+        <p:nvPicPr>
+          <p:cNvPr id="5" name="Espace réservé du contenu 4">
             <a:extLst>
               <a:ext uri="{FF2B5EF4-FFF2-40B4-BE49-F238E27FC236}">
-                <a16:creationId xmlns:a16="http://schemas.microsoft.com/office/drawing/2014/main" id="{490E10F9-2406-E7D5-04CF-6C817B0083EA}"/>
+                <a16:creationId xmlns:a16="http://schemas.microsoft.com/office/drawing/2014/main" id="{AC4C547C-8DF2-6C55-21D8-D46C2646F482}"/>
               </a:ext>
             </a:extLst>
           </p:cNvPr>
-          <p:cNvSpPr>
-            <a:spLocks noGrp="1"/>
-          </p:cNvSpPr>
+          <p:cNvPicPr>
+            <a:picLocks noGrp="1" noChangeAspect="1"/>
+          </p:cNvPicPr>
           <p:nvPr>
             <p:ph idx="1"/>
           </p:nvPr>
-        </p:nvSpPr>
-        <p:spPr/>
-        <p:txBody>
-          <a:bodyPr/>
-          <a:lstStyle/>
-          <a:p>
-            <a:endParaRPr lang="fr-FR"/>
-          </a:p>
-        </p:txBody>
-      </p:sp>
+        </p:nvPicPr>
+        <p:blipFill>
+          <a:blip r:embed="rId2">
+            <a:extLst>
+              <a:ext uri="{28A0092B-C50C-407E-A947-70E740481C1C}">
+                <a14:useLocalDpi xmlns:a14="http://schemas.microsoft.com/office/drawing/2010/main" val="0"/>
+              </a:ext>
+            </a:extLst>
+          </a:blip>
+          <a:stretch>
+            <a:fillRect/>
+          </a:stretch>
+        </p:blipFill>
+        <p:spPr>
+          <a:xfrm>
+            <a:off x="6453476" y="2065867"/>
+            <a:ext cx="4892099" cy="3649662"/>
+          </a:xfrm>
+        </p:spPr>
+      </p:pic>
     </p:spTree>
     <p:extLst>
       <p:ext uri="{BB962C8B-B14F-4D97-AF65-F5344CB8AC3E}">
@@ -7484,39 +7740,203 @@
           <a:bodyPr/>
           <a:lstStyle/>
           <a:p>
-            <a:endParaRPr lang="fr-FR"/>
-          </a:p>
-        </p:txBody>
-      </p:sp>
-      <p:sp>
-        <p:nvSpPr>
-          <p:cNvPr id="3" name="Espace réservé du contenu 2">
+            <a:r>
+              <a:rPr lang="fr-FR" dirty="0"/>
+              <a:t>post </a:t>
+            </a:r>
+            <a:r>
+              <a:rPr lang="fr-FR" dirty="0" err="1"/>
+              <a:t>feature</a:t>
+            </a:r>
+            <a:r>
+              <a:rPr lang="fr-FR" dirty="0"/>
+              <a:t> </a:t>
+            </a:r>
+            <a:r>
+              <a:rPr lang="fr-FR" dirty="0" err="1"/>
+              <a:t>selection</a:t>
+            </a:r>
+            <a:r>
+              <a:rPr lang="fr-FR" dirty="0"/>
+              <a:t> </a:t>
+            </a:r>
+            <a:r>
+              <a:rPr lang="fr-FR" dirty="0" err="1"/>
+              <a:t>learning</a:t>
+            </a:r>
+            <a:r>
+              <a:rPr lang="fr-FR" dirty="0"/>
+              <a:t> </a:t>
+            </a:r>
+            <a:r>
+              <a:rPr lang="fr-FR" dirty="0" err="1"/>
+              <a:t>curve</a:t>
+            </a:r>
+            <a:r>
+              <a:rPr lang="fr-FR" dirty="0"/>
+              <a:t> </a:t>
+            </a:r>
+          </a:p>
+        </p:txBody>
+      </p:sp>
+      <p:pic>
+        <p:nvPicPr>
+          <p:cNvPr id="5" name="Espace réservé du contenu 4">
             <a:extLst>
               <a:ext uri="{FF2B5EF4-FFF2-40B4-BE49-F238E27FC236}">
-                <a16:creationId xmlns:a16="http://schemas.microsoft.com/office/drawing/2014/main" id="{4889B889-77AC-C127-E1CA-EE04DC9496BD}"/>
+                <a16:creationId xmlns:a16="http://schemas.microsoft.com/office/drawing/2014/main" id="{7553234F-F9C8-5440-A512-8D978246FC34}"/>
               </a:ext>
             </a:extLst>
           </p:cNvPr>
-          <p:cNvSpPr>
-            <a:spLocks noGrp="1"/>
-          </p:cNvSpPr>
+          <p:cNvPicPr>
+            <a:picLocks noGrp="1" noChangeAspect="1"/>
+          </p:cNvPicPr>
           <p:nvPr>
             <p:ph idx="1"/>
           </p:nvPr>
-        </p:nvSpPr>
-        <p:spPr/>
-        <p:txBody>
-          <a:bodyPr/>
-          <a:lstStyle/>
-          <a:p>
-            <a:endParaRPr lang="fr-FR"/>
-          </a:p>
-        </p:txBody>
-      </p:sp>
+        </p:nvPicPr>
+        <p:blipFill>
+          <a:blip r:embed="rId2">
+            <a:extLst>
+              <a:ext uri="{28A0092B-C50C-407E-A947-70E740481C1C}">
+                <a14:useLocalDpi xmlns:a14="http://schemas.microsoft.com/office/drawing/2010/main" val="0"/>
+              </a:ext>
+            </a:extLst>
+          </a:blip>
+          <a:stretch>
+            <a:fillRect/>
+          </a:stretch>
+        </p:blipFill>
+        <p:spPr>
+          <a:xfrm>
+            <a:off x="513209" y="2160588"/>
+            <a:ext cx="3334891" cy="2545932"/>
+          </a:xfrm>
+        </p:spPr>
+      </p:pic>
+      <p:pic>
+        <p:nvPicPr>
+          <p:cNvPr id="7" name="Image 6">
+            <a:extLst>
+              <a:ext uri="{FF2B5EF4-FFF2-40B4-BE49-F238E27FC236}">
+                <a16:creationId xmlns:a16="http://schemas.microsoft.com/office/drawing/2014/main" id="{D4B9FACF-639C-A18E-67FC-62C54E047929}"/>
+              </a:ext>
+            </a:extLst>
+          </p:cNvPr>
+          <p:cNvPicPr>
+            <a:picLocks noChangeAspect="1"/>
+          </p:cNvPicPr>
+          <p:nvPr/>
+        </p:nvPicPr>
+        <p:blipFill>
+          <a:blip r:embed="rId3">
+            <a:extLst>
+              <a:ext uri="{28A0092B-C50C-407E-A947-70E740481C1C}">
+                <a14:useLocalDpi xmlns:a14="http://schemas.microsoft.com/office/drawing/2010/main" val="0"/>
+              </a:ext>
+            </a:extLst>
+          </a:blip>
+          <a:stretch>
+            <a:fillRect/>
+          </a:stretch>
+        </p:blipFill>
+        <p:spPr>
+          <a:xfrm>
+            <a:off x="3848100" y="2160588"/>
+            <a:ext cx="3334891" cy="2545932"/>
+          </a:xfrm>
+          <a:prstGeom prst="rect">
+            <a:avLst/>
+          </a:prstGeom>
+        </p:spPr>
+      </p:pic>
     </p:spTree>
     <p:extLst>
       <p:ext uri="{BB962C8B-B14F-4D97-AF65-F5344CB8AC3E}">
         <p14:creationId xmlns:p14="http://schemas.microsoft.com/office/powerpoint/2010/main" val="312512747"/>
+      </p:ext>
+    </p:extLst>
+  </p:cSld>
+  <p:clrMapOvr>
+    <a:masterClrMapping/>
+  </p:clrMapOvr>
+</p:sld>
+</file>
+
+<file path=ppt/slides/slide19.xml><?xml version="1.0" encoding="utf-8"?>
+<p:sld xmlns:a="http://schemas.openxmlformats.org/drawingml/2006/main" xmlns:r="http://schemas.openxmlformats.org/officeDocument/2006/relationships" xmlns:p="http://schemas.openxmlformats.org/presentationml/2006/main">
+  <p:cSld>
+    <p:spTree>
+      <p:nvGrpSpPr>
+        <p:cNvPr id="1" name=""/>
+        <p:cNvGrpSpPr/>
+        <p:nvPr/>
+      </p:nvGrpSpPr>
+      <p:grpSpPr>
+        <a:xfrm>
+          <a:off x="0" y="0"/>
+          <a:ext cx="0" cy="0"/>
+          <a:chOff x="0" y="0"/>
+          <a:chExt cx="0" cy="0"/>
+        </a:xfrm>
+      </p:grpSpPr>
+      <p:sp>
+        <p:nvSpPr>
+          <p:cNvPr id="2" name="Titre 1">
+            <a:extLst>
+              <a:ext uri="{FF2B5EF4-FFF2-40B4-BE49-F238E27FC236}">
+                <a16:creationId xmlns:a16="http://schemas.microsoft.com/office/drawing/2014/main" id="{BFDCBAFA-2957-4CC5-46C6-C21298285405}"/>
+              </a:ext>
+            </a:extLst>
+          </p:cNvPr>
+          <p:cNvSpPr>
+            <a:spLocks noGrp="1"/>
+          </p:cNvSpPr>
+          <p:nvPr>
+            <p:ph type="title"/>
+          </p:nvPr>
+        </p:nvSpPr>
+        <p:spPr/>
+        <p:txBody>
+          <a:bodyPr/>
+          <a:lstStyle/>
+          <a:p>
+            <a:r>
+              <a:rPr lang="fr-FR"/>
+              <a:t>conclusion</a:t>
+            </a:r>
+          </a:p>
+        </p:txBody>
+      </p:sp>
+      <p:sp>
+        <p:nvSpPr>
+          <p:cNvPr id="3" name="Espace réservé du contenu 2">
+            <a:extLst>
+              <a:ext uri="{FF2B5EF4-FFF2-40B4-BE49-F238E27FC236}">
+                <a16:creationId xmlns:a16="http://schemas.microsoft.com/office/drawing/2014/main" id="{2DCC454B-9597-80BB-26BB-67E2BF999C97}"/>
+              </a:ext>
+            </a:extLst>
+          </p:cNvPr>
+          <p:cNvSpPr>
+            <a:spLocks noGrp="1"/>
+          </p:cNvSpPr>
+          <p:nvPr>
+            <p:ph idx="1"/>
+          </p:nvPr>
+        </p:nvSpPr>
+        <p:spPr/>
+        <p:txBody>
+          <a:bodyPr/>
+          <a:lstStyle/>
+          <a:p>
+            <a:endParaRPr lang="fr-FR"/>
+          </a:p>
+        </p:txBody>
+      </p:sp>
+    </p:spTree>
+    <p:extLst>
+      <p:ext uri="{BB962C8B-B14F-4D97-AF65-F5344CB8AC3E}">
+        <p14:creationId xmlns:p14="http://schemas.microsoft.com/office/powerpoint/2010/main" val="2975395897"/>
       </p:ext>
     </p:extLst>
   </p:cSld>

--- a/Python_project_presentation.pptx
+++ b/Python_project_presentation.pptx
@@ -7850,6 +7850,42 @@
           </a:prstGeom>
         </p:spPr>
       </p:pic>
+      <p:pic>
+        <p:nvPicPr>
+          <p:cNvPr id="4" name="Image 3">
+            <a:extLst>
+              <a:ext uri="{FF2B5EF4-FFF2-40B4-BE49-F238E27FC236}">
+                <a16:creationId xmlns:a16="http://schemas.microsoft.com/office/drawing/2014/main" id="{78F0382B-3FA7-D8FE-0412-CF944F8396B3}"/>
+              </a:ext>
+            </a:extLst>
+          </p:cNvPr>
+          <p:cNvPicPr>
+            <a:picLocks noChangeAspect="1"/>
+          </p:cNvPicPr>
+          <p:nvPr/>
+        </p:nvPicPr>
+        <p:blipFill>
+          <a:blip r:embed="rId4">
+            <a:extLst>
+              <a:ext uri="{28A0092B-C50C-407E-A947-70E740481C1C}">
+                <a14:useLocalDpi xmlns:a14="http://schemas.microsoft.com/office/drawing/2010/main" val="0"/>
+              </a:ext>
+            </a:extLst>
+          </a:blip>
+          <a:stretch>
+            <a:fillRect/>
+          </a:stretch>
+        </p:blipFill>
+        <p:spPr>
+          <a:xfrm>
+            <a:off x="7182991" y="2160588"/>
+            <a:ext cx="3267746" cy="2545932"/>
+          </a:xfrm>
+          <a:prstGeom prst="rect">
+            <a:avLst/>
+          </a:prstGeom>
+        </p:spPr>
+      </p:pic>
     </p:spTree>
     <p:extLst>
       <p:ext uri="{BB962C8B-B14F-4D97-AF65-F5344CB8AC3E}">
@@ -7902,7 +7938,7 @@
           <a:lstStyle/>
           <a:p>
             <a:r>
-              <a:rPr lang="fr-FR"/>
+              <a:rPr lang="fr-FR" dirty="0"/>
               <a:t>conclusion</a:t>
             </a:r>
           </a:p>

--- a/Python_project_presentation.pptx
+++ b/Python_project_presentation.pptx
@@ -23,7 +23,8 @@
     <p:sldId id="269" r:id="rId17"/>
     <p:sldId id="270" r:id="rId18"/>
     <p:sldId id="271" r:id="rId19"/>
-    <p:sldId id="276" r:id="rId20"/>
+    <p:sldId id="277" r:id="rId20"/>
+    <p:sldId id="276" r:id="rId21"/>
   </p:sldIdLst>
   <p:sldSz cx="12192000" cy="6858000"/>
   <p:notesSz cx="6858000" cy="9144000"/>
@@ -7921,7 +7922,7 @@
           <p:cNvPr id="2" name="Titre 1">
             <a:extLst>
               <a:ext uri="{FF2B5EF4-FFF2-40B4-BE49-F238E27FC236}">
-                <a16:creationId xmlns:a16="http://schemas.microsoft.com/office/drawing/2014/main" id="{BFDCBAFA-2957-4CC5-46C6-C21298285405}"/>
+                <a16:creationId xmlns:a16="http://schemas.microsoft.com/office/drawing/2014/main" id="{1479BBD0-91AA-29E9-E7D1-7EF78C2C9267}"/>
               </a:ext>
             </a:extLst>
           </p:cNvPr>
@@ -7937,10 +7938,7 @@
           <a:bodyPr/>
           <a:lstStyle/>
           <a:p>
-            <a:r>
-              <a:rPr lang="fr-FR" dirty="0"/>
-              <a:t>conclusion</a:t>
-            </a:r>
+            <a:endParaRPr lang="fr-FR"/>
           </a:p>
         </p:txBody>
       </p:sp>
@@ -7949,7 +7947,7 @@
           <p:cNvPr id="3" name="Espace réservé du contenu 2">
             <a:extLst>
               <a:ext uri="{FF2B5EF4-FFF2-40B4-BE49-F238E27FC236}">
-                <a16:creationId xmlns:a16="http://schemas.microsoft.com/office/drawing/2014/main" id="{2DCC454B-9597-80BB-26BB-67E2BF999C97}"/>
+                <a16:creationId xmlns:a16="http://schemas.microsoft.com/office/drawing/2014/main" id="{6A262D75-6B89-23E2-8F39-EE925339A202}"/>
               </a:ext>
             </a:extLst>
           </p:cNvPr>
@@ -7972,7 +7970,7 @@
     </p:spTree>
     <p:extLst>
       <p:ext uri="{BB962C8B-B14F-4D97-AF65-F5344CB8AC3E}">
-        <p14:creationId xmlns:p14="http://schemas.microsoft.com/office/powerpoint/2010/main" val="2975395897"/>
+        <p14:creationId xmlns:p14="http://schemas.microsoft.com/office/powerpoint/2010/main" val="2906236849"/>
       </p:ext>
     </p:extLst>
   </p:cSld>
@@ -8083,6 +8081,89 @@
     <p:extLst>
       <p:ext uri="{BB962C8B-B14F-4D97-AF65-F5344CB8AC3E}">
         <p14:creationId xmlns:p14="http://schemas.microsoft.com/office/powerpoint/2010/main" val="1336454880"/>
+      </p:ext>
+    </p:extLst>
+  </p:cSld>
+  <p:clrMapOvr>
+    <a:masterClrMapping/>
+  </p:clrMapOvr>
+</p:sld>
+</file>
+
+<file path=ppt/slides/slide20.xml><?xml version="1.0" encoding="utf-8"?>
+<p:sld xmlns:a="http://schemas.openxmlformats.org/drawingml/2006/main" xmlns:r="http://schemas.openxmlformats.org/officeDocument/2006/relationships" xmlns:p="http://schemas.openxmlformats.org/presentationml/2006/main">
+  <p:cSld>
+    <p:spTree>
+      <p:nvGrpSpPr>
+        <p:cNvPr id="1" name=""/>
+        <p:cNvGrpSpPr/>
+        <p:nvPr/>
+      </p:nvGrpSpPr>
+      <p:grpSpPr>
+        <a:xfrm>
+          <a:off x="0" y="0"/>
+          <a:ext cx="0" cy="0"/>
+          <a:chOff x="0" y="0"/>
+          <a:chExt cx="0" cy="0"/>
+        </a:xfrm>
+      </p:grpSpPr>
+      <p:sp>
+        <p:nvSpPr>
+          <p:cNvPr id="2" name="Titre 1">
+            <a:extLst>
+              <a:ext uri="{FF2B5EF4-FFF2-40B4-BE49-F238E27FC236}">
+                <a16:creationId xmlns:a16="http://schemas.microsoft.com/office/drawing/2014/main" id="{BFDCBAFA-2957-4CC5-46C6-C21298285405}"/>
+              </a:ext>
+            </a:extLst>
+          </p:cNvPr>
+          <p:cNvSpPr>
+            <a:spLocks noGrp="1"/>
+          </p:cNvSpPr>
+          <p:nvPr>
+            <p:ph type="title"/>
+          </p:nvPr>
+        </p:nvSpPr>
+        <p:spPr/>
+        <p:txBody>
+          <a:bodyPr/>
+          <a:lstStyle/>
+          <a:p>
+            <a:r>
+              <a:rPr lang="fr-FR" dirty="0"/>
+              <a:t>conclusion</a:t>
+            </a:r>
+          </a:p>
+        </p:txBody>
+      </p:sp>
+      <p:sp>
+        <p:nvSpPr>
+          <p:cNvPr id="3" name="Espace réservé du contenu 2">
+            <a:extLst>
+              <a:ext uri="{FF2B5EF4-FFF2-40B4-BE49-F238E27FC236}">
+                <a16:creationId xmlns:a16="http://schemas.microsoft.com/office/drawing/2014/main" id="{2DCC454B-9597-80BB-26BB-67E2BF999C97}"/>
+              </a:ext>
+            </a:extLst>
+          </p:cNvPr>
+          <p:cNvSpPr>
+            <a:spLocks noGrp="1"/>
+          </p:cNvSpPr>
+          <p:nvPr>
+            <p:ph idx="1"/>
+          </p:nvPr>
+        </p:nvSpPr>
+        <p:spPr/>
+        <p:txBody>
+          <a:bodyPr/>
+          <a:lstStyle/>
+          <a:p>
+            <a:endParaRPr lang="fr-FR"/>
+          </a:p>
+        </p:txBody>
+      </p:sp>
+    </p:spTree>
+    <p:extLst>
+      <p:ext uri="{BB962C8B-B14F-4D97-AF65-F5344CB8AC3E}">
+        <p14:creationId xmlns:p14="http://schemas.microsoft.com/office/powerpoint/2010/main" val="2975395897"/>
       </p:ext>
     </p:extLst>
   </p:cSld>

--- a/Python_project_presentation.pptx
+++ b/Python_project_presentation.pptx
@@ -7938,35 +7938,150 @@
           <a:bodyPr/>
           <a:lstStyle/>
           <a:p>
-            <a:endParaRPr lang="fr-FR"/>
-          </a:p>
-        </p:txBody>
-      </p:sp>
-      <p:sp>
-        <p:nvSpPr>
-          <p:cNvPr id="3" name="Espace réservé du contenu 2">
+            <a:r>
+              <a:rPr lang="fr-FR" dirty="0" err="1"/>
+              <a:t>Grid</a:t>
+            </a:r>
+            <a:r>
+              <a:rPr lang="fr-FR" dirty="0"/>
+              <a:t> </a:t>
+            </a:r>
+            <a:r>
+              <a:rPr lang="fr-FR" dirty="0" err="1"/>
+              <a:t>search</a:t>
+            </a:r>
+            <a:r>
+              <a:rPr lang="fr-FR" dirty="0"/>
+              <a:t> cv </a:t>
+            </a:r>
+          </a:p>
+        </p:txBody>
+      </p:sp>
+      <p:pic>
+        <p:nvPicPr>
+          <p:cNvPr id="5" name="Espace réservé du contenu 4">
             <a:extLst>
               <a:ext uri="{FF2B5EF4-FFF2-40B4-BE49-F238E27FC236}">
-                <a16:creationId xmlns:a16="http://schemas.microsoft.com/office/drawing/2014/main" id="{6A262D75-6B89-23E2-8F39-EE925339A202}"/>
+                <a16:creationId xmlns:a16="http://schemas.microsoft.com/office/drawing/2014/main" id="{BC63A624-7830-A3F5-9B5C-E1ADD045ECFC}"/>
               </a:ext>
             </a:extLst>
           </p:cNvPr>
-          <p:cNvSpPr>
-            <a:spLocks noGrp="1"/>
-          </p:cNvSpPr>
+          <p:cNvPicPr>
+            <a:picLocks noGrp="1" noChangeAspect="1"/>
+          </p:cNvPicPr>
           <p:nvPr>
             <p:ph idx="1"/>
           </p:nvPr>
-        </p:nvSpPr>
-        <p:spPr/>
-        <p:txBody>
-          <a:bodyPr/>
-          <a:lstStyle/>
-          <a:p>
-            <a:endParaRPr lang="fr-FR"/>
-          </a:p>
-        </p:txBody>
-      </p:sp>
+        </p:nvPicPr>
+        <p:blipFill>
+          <a:blip r:embed="rId2"/>
+          <a:stretch>
+            <a:fillRect/>
+          </a:stretch>
+        </p:blipFill>
+        <p:spPr>
+          <a:xfrm>
+            <a:off x="620453" y="4499898"/>
+            <a:ext cx="3242701" cy="2005354"/>
+          </a:xfrm>
+        </p:spPr>
+      </p:pic>
+      <p:pic>
+        <p:nvPicPr>
+          <p:cNvPr id="7" name="Image 6">
+            <a:extLst>
+              <a:ext uri="{FF2B5EF4-FFF2-40B4-BE49-F238E27FC236}">
+                <a16:creationId xmlns:a16="http://schemas.microsoft.com/office/drawing/2014/main" id="{9C014772-4A03-8E24-71C6-0F6D57FAB120}"/>
+              </a:ext>
+            </a:extLst>
+          </p:cNvPr>
+          <p:cNvPicPr>
+            <a:picLocks noChangeAspect="1"/>
+          </p:cNvPicPr>
+          <p:nvPr/>
+        </p:nvPicPr>
+        <p:blipFill>
+          <a:blip r:embed="rId3">
+            <a:extLst>
+              <a:ext uri="{28A0092B-C50C-407E-A947-70E740481C1C}">
+                <a14:useLocalDpi xmlns:a14="http://schemas.microsoft.com/office/drawing/2010/main" val="0"/>
+              </a:ext>
+            </a:extLst>
+          </a:blip>
+          <a:stretch>
+            <a:fillRect/>
+          </a:stretch>
+        </p:blipFill>
+        <p:spPr>
+          <a:xfrm>
+            <a:off x="620453" y="1984467"/>
+            <a:ext cx="3242701" cy="2475552"/>
+          </a:xfrm>
+          <a:prstGeom prst="rect">
+            <a:avLst/>
+          </a:prstGeom>
+        </p:spPr>
+      </p:pic>
+      <p:pic>
+        <p:nvPicPr>
+          <p:cNvPr id="11" name="Image 10">
+            <a:extLst>
+              <a:ext uri="{FF2B5EF4-FFF2-40B4-BE49-F238E27FC236}">
+                <a16:creationId xmlns:a16="http://schemas.microsoft.com/office/drawing/2014/main" id="{E5F9725F-6E5B-9B38-B6E6-44E43D3234B9}"/>
+              </a:ext>
+            </a:extLst>
+          </p:cNvPr>
+          <p:cNvPicPr>
+            <a:picLocks noChangeAspect="1"/>
+          </p:cNvPicPr>
+          <p:nvPr/>
+        </p:nvPicPr>
+        <p:blipFill>
+          <a:blip r:embed="rId4"/>
+          <a:stretch>
+            <a:fillRect/>
+          </a:stretch>
+        </p:blipFill>
+        <p:spPr>
+          <a:xfrm>
+            <a:off x="4733906" y="1984467"/>
+            <a:ext cx="3162299" cy="2463778"/>
+          </a:xfrm>
+          <a:prstGeom prst="rect">
+            <a:avLst/>
+          </a:prstGeom>
+        </p:spPr>
+      </p:pic>
+      <p:pic>
+        <p:nvPicPr>
+          <p:cNvPr id="13" name="Image 12">
+            <a:extLst>
+              <a:ext uri="{FF2B5EF4-FFF2-40B4-BE49-F238E27FC236}">
+                <a16:creationId xmlns:a16="http://schemas.microsoft.com/office/drawing/2014/main" id="{F7D0CDF7-EC9D-5D1B-D85E-3F25B929E4FE}"/>
+              </a:ext>
+            </a:extLst>
+          </p:cNvPr>
+          <p:cNvPicPr>
+            <a:picLocks noChangeAspect="1"/>
+          </p:cNvPicPr>
+          <p:nvPr/>
+        </p:nvPicPr>
+        <p:blipFill>
+          <a:blip r:embed="rId5"/>
+          <a:stretch>
+            <a:fillRect/>
+          </a:stretch>
+        </p:blipFill>
+        <p:spPr>
+          <a:xfrm>
+            <a:off x="4670902" y="4460019"/>
+            <a:ext cx="3288305" cy="950619"/>
+          </a:xfrm>
+          <a:prstGeom prst="rect">
+            <a:avLst/>
+          </a:prstGeom>
+        </p:spPr>
+      </p:pic>
     </p:spTree>
     <p:extLst>
       <p:ext uri="{BB962C8B-B14F-4D97-AF65-F5344CB8AC3E}">
